--- a/BLMshopPresentation.pptx
+++ b/BLMshopPresentation.pptx
@@ -24122,21 +24122,21 @@
 </file>
 
 <file path=customXml/item1.xml><?xml version="1.0" encoding="utf-8"?>
+<?mso-contentType ?>
+<FormTemplates xmlns="http://schemas.microsoft.com/sharepoint/v3/contenttype/forms">
+  <Display>DocumentLibraryForm</Display>
+  <Edit>DocumentLibraryForm</Edit>
+  <New>DocumentLibraryForm</New>
+</FormTemplates>
+</file>
+
+<file path=customXml/item2.xml><?xml version="1.0" encoding="utf-8"?>
 <p:properties xmlns:p="http://schemas.microsoft.com/office/2006/metadata/properties" xmlns:xsi="http://www.w3.org/2001/XMLSchema-instance" xmlns:pc="http://schemas.microsoft.com/office/infopath/2007/PartnerControls">
   <documentManagement>
     <Status xmlns="71af3243-3dd4-4a8d-8c0d-dd76da1f02a5">Not started</Status>
     <MediaServiceKeyPoints xmlns="71af3243-3dd4-4a8d-8c0d-dd76da1f02a5" xsi:nil="true"/>
   </documentManagement>
 </p:properties>
-</file>
-
-<file path=customXml/item2.xml><?xml version="1.0" encoding="utf-8"?>
-<?mso-contentType ?>
-<FormTemplates xmlns="http://schemas.microsoft.com/sharepoint/v3/contenttype/forms">
-  <Display>DocumentLibraryForm</Display>
-  <Edit>DocumentLibraryForm</Edit>
-  <New>DocumentLibraryForm</New>
-</FormTemplates>
 </file>
 
 <file path=customXml/item3.xml><?xml version="1.0" encoding="utf-8"?>
@@ -24361,19 +24361,19 @@
 </file>
 
 <file path=customXml/itemProps1.xml><?xml version="1.0" encoding="utf-8"?>
+<ds:datastoreItem xmlns:ds="http://schemas.openxmlformats.org/officeDocument/2006/customXml" ds:itemID="{3C8E00D1-8EA3-4E42-801D-0253E1EAFC21}">
+  <ds:schemaRefs>
+    <ds:schemaRef ds:uri="http://schemas.microsoft.com/sharepoint/v3/contenttype/forms"/>
+  </ds:schemaRefs>
+</ds:datastoreItem>
+</file>
+
+<file path=customXml/itemProps2.xml><?xml version="1.0" encoding="utf-8"?>
 <ds:datastoreItem xmlns:ds="http://schemas.openxmlformats.org/officeDocument/2006/customXml" ds:itemID="{99919F73-B6C2-4A43-95E2-833EC48925FE}">
   <ds:schemaRefs>
     <ds:schemaRef ds:uri="http://schemas.microsoft.com/office/2006/metadata/properties"/>
     <ds:schemaRef ds:uri="http://schemas.microsoft.com/office/infopath/2007/PartnerControls"/>
     <ds:schemaRef ds:uri="71af3243-3dd4-4a8d-8c0d-dd76da1f02a5"/>
-  </ds:schemaRefs>
-</ds:datastoreItem>
-</file>
-
-<file path=customXml/itemProps2.xml><?xml version="1.0" encoding="utf-8"?>
-<ds:datastoreItem xmlns:ds="http://schemas.openxmlformats.org/officeDocument/2006/customXml" ds:itemID="{3C8E00D1-8EA3-4E42-801D-0253E1EAFC21}">
-  <ds:schemaRefs>
-    <ds:schemaRef ds:uri="http://schemas.microsoft.com/sharepoint/v3/contenttype/forms"/>
   </ds:schemaRefs>
 </ds:datastoreItem>
 </file>

--- a/BLMshopPresentation.pptx
+++ b/BLMshopPresentation.pptx
@@ -5,26 +5,27 @@
     <p:sldMasterId id="2147483696" r:id="rId4"/>
   </p:sldMasterIdLst>
   <p:notesMasterIdLst>
-    <p:notesMasterId r:id="rId19"/>
+    <p:notesMasterId r:id="rId20"/>
   </p:notesMasterIdLst>
   <p:handoutMasterIdLst>
-    <p:handoutMasterId r:id="rId20"/>
+    <p:handoutMasterId r:id="rId21"/>
   </p:handoutMasterIdLst>
   <p:sldIdLst>
-    <p:sldId id="306" r:id="rId5"/>
-    <p:sldId id="307" r:id="rId6"/>
-    <p:sldId id="308" r:id="rId7"/>
-    <p:sldId id="309" r:id="rId8"/>
-    <p:sldId id="294" r:id="rId9"/>
-    <p:sldId id="295" r:id="rId10"/>
-    <p:sldId id="310" r:id="rId11"/>
-    <p:sldId id="313" r:id="rId12"/>
-    <p:sldId id="314" r:id="rId13"/>
-    <p:sldId id="303" r:id="rId14"/>
-    <p:sldId id="304" r:id="rId15"/>
-    <p:sldId id="305" r:id="rId16"/>
-    <p:sldId id="311" r:id="rId17"/>
-    <p:sldId id="312" r:id="rId18"/>
+    <p:sldId id="315" r:id="rId5"/>
+    <p:sldId id="306" r:id="rId6"/>
+    <p:sldId id="307" r:id="rId7"/>
+    <p:sldId id="308" r:id="rId8"/>
+    <p:sldId id="309" r:id="rId9"/>
+    <p:sldId id="294" r:id="rId10"/>
+    <p:sldId id="295" r:id="rId11"/>
+    <p:sldId id="310" r:id="rId12"/>
+    <p:sldId id="313" r:id="rId13"/>
+    <p:sldId id="314" r:id="rId14"/>
+    <p:sldId id="303" r:id="rId15"/>
+    <p:sldId id="304" r:id="rId16"/>
+    <p:sldId id="305" r:id="rId17"/>
+    <p:sldId id="311" r:id="rId18"/>
+    <p:sldId id="312" r:id="rId19"/>
   </p:sldIdLst>
   <p:sldSz cx="12192000" cy="6858000"/>
   <p:notesSz cx="6858000" cy="9144000"/>
@@ -8282,7 +8283,7 @@
             <a:pPr rtl="0"/>
             <a:fld id="{D5939589-3E79-4C82-AA4A-FE78234FAA59}" type="slidenum">
               <a:rPr lang="fr-FR" smtClean="0"/>
-              <a:t>1</a:t>
+              <a:t>2</a:t>
             </a:fld>
             <a:endParaRPr lang="fr-FR"/>
           </a:p>
@@ -8367,7 +8368,7 @@
             <a:pPr rtl="0"/>
             <a:fld id="{D5939589-3E79-4C82-AA4A-FE78234FAA59}" type="slidenum">
               <a:rPr lang="fr-FR" smtClean="0"/>
-              <a:t>10</a:t>
+              <a:t>11</a:t>
             </a:fld>
             <a:endParaRPr lang="fr-FR"/>
           </a:p>
@@ -8452,7 +8453,7 @@
             <a:pPr rtl="0"/>
             <a:fld id="{D5939589-3E79-4C82-AA4A-FE78234FAA59}" type="slidenum">
               <a:rPr lang="fr-FR" smtClean="0"/>
-              <a:t>11</a:t>
+              <a:t>12</a:t>
             </a:fld>
             <a:endParaRPr lang="fr-FR"/>
           </a:p>
@@ -8537,7 +8538,7 @@
             <a:pPr rtl="0"/>
             <a:fld id="{D5939589-3E79-4C82-AA4A-FE78234FAA59}" type="slidenum">
               <a:rPr lang="fr-FR" smtClean="0"/>
-              <a:t>12</a:t>
+              <a:t>13</a:t>
             </a:fld>
             <a:endParaRPr lang="fr-FR"/>
           </a:p>
@@ -8622,7 +8623,7 @@
             <a:pPr rtl="0"/>
             <a:fld id="{D5939589-3E79-4C82-AA4A-FE78234FAA59}" type="slidenum">
               <a:rPr lang="fr-FR" smtClean="0"/>
-              <a:t>13</a:t>
+              <a:t>14</a:t>
             </a:fld>
             <a:endParaRPr lang="fr-FR"/>
           </a:p>
@@ -8707,7 +8708,7 @@
             <a:pPr rtl="0"/>
             <a:fld id="{D5939589-3E79-4C82-AA4A-FE78234FAA59}" type="slidenum">
               <a:rPr lang="fr-FR" smtClean="0"/>
-              <a:t>14</a:t>
+              <a:t>15</a:t>
             </a:fld>
             <a:endParaRPr lang="fr-FR"/>
           </a:p>
@@ -8792,7 +8793,7 @@
             <a:pPr rtl="0"/>
             <a:fld id="{D5939589-3E79-4C82-AA4A-FE78234FAA59}" type="slidenum">
               <a:rPr lang="fr-FR" smtClean="0"/>
-              <a:t>2</a:t>
+              <a:t>3</a:t>
             </a:fld>
             <a:endParaRPr lang="fr-FR"/>
           </a:p>
@@ -8877,7 +8878,7 @@
             <a:pPr rtl="0"/>
             <a:fld id="{D5939589-3E79-4C82-AA4A-FE78234FAA59}" type="slidenum">
               <a:rPr lang="fr-FR" smtClean="0"/>
-              <a:t>3</a:t>
+              <a:t>4</a:t>
             </a:fld>
             <a:endParaRPr lang="fr-FR"/>
           </a:p>
@@ -8962,7 +8963,7 @@
             <a:pPr rtl="0"/>
             <a:fld id="{D5939589-3E79-4C82-AA4A-FE78234FAA59}" type="slidenum">
               <a:rPr lang="fr-FR" smtClean="0"/>
-              <a:t>4</a:t>
+              <a:t>5</a:t>
             </a:fld>
             <a:endParaRPr lang="fr-FR"/>
           </a:p>
@@ -9047,7 +9048,7 @@
             <a:pPr rtl="0"/>
             <a:fld id="{D5939589-3E79-4C82-AA4A-FE78234FAA59}" type="slidenum">
               <a:rPr lang="fr-FR" smtClean="0"/>
-              <a:t>5</a:t>
+              <a:t>6</a:t>
             </a:fld>
             <a:endParaRPr lang="fr-FR"/>
           </a:p>
@@ -9132,7 +9133,7 @@
             <a:pPr rtl="0"/>
             <a:fld id="{D5939589-3E79-4C82-AA4A-FE78234FAA59}" type="slidenum">
               <a:rPr lang="fr-FR" smtClean="0"/>
-              <a:t>6</a:t>
+              <a:t>7</a:t>
             </a:fld>
             <a:endParaRPr lang="fr-FR"/>
           </a:p>
@@ -9217,7 +9218,7 @@
             <a:pPr rtl="0"/>
             <a:fld id="{D5939589-3E79-4C82-AA4A-FE78234FAA59}" type="slidenum">
               <a:rPr lang="fr-FR" smtClean="0"/>
-              <a:t>7</a:t>
+              <a:t>8</a:t>
             </a:fld>
             <a:endParaRPr lang="fr-FR"/>
           </a:p>
@@ -9302,7 +9303,7 @@
             <a:pPr rtl="0"/>
             <a:fld id="{D5939589-3E79-4C82-AA4A-FE78234FAA59}" type="slidenum">
               <a:rPr lang="fr-FR" smtClean="0"/>
-              <a:t>8</a:t>
+              <a:t>9</a:t>
             </a:fld>
             <a:endParaRPr lang="fr-FR"/>
           </a:p>
@@ -9387,7 +9388,7 @@
             <a:pPr rtl="0"/>
             <a:fld id="{D5939589-3E79-4C82-AA4A-FE78234FAA59}" type="slidenum">
               <a:rPr lang="fr-FR" smtClean="0"/>
-              <a:t>9</a:t>
+              <a:t>10</a:t>
             </a:fld>
             <a:endParaRPr lang="fr-FR"/>
           </a:p>
@@ -20179,12 +20180,42 @@
           <a:chExt cx="0" cy="0"/>
         </a:xfrm>
       </p:grpSpPr>
+    </p:spTree>
+    <p:extLst>
+      <p:ext uri="{BB962C8B-B14F-4D97-AF65-F5344CB8AC3E}">
+        <p14:creationId xmlns:p14="http://schemas.microsoft.com/office/powerpoint/2010/main" val="1435736877"/>
+      </p:ext>
+    </p:extLst>
+  </p:cSld>
+  <p:clrMapOvr>
+    <a:masterClrMapping/>
+  </p:clrMapOvr>
+</p:sld>
+</file>
+
+<file path=ppt/slides/slide10.xml><?xml version="1.0" encoding="utf-8"?>
+<p:sld xmlns:a="http://schemas.openxmlformats.org/drawingml/2006/main" xmlns:r="http://schemas.openxmlformats.org/officeDocument/2006/relationships" xmlns:p="http://schemas.openxmlformats.org/presentationml/2006/main">
+  <p:cSld>
+    <p:spTree>
+      <p:nvGrpSpPr>
+        <p:cNvPr id="1" name=""/>
+        <p:cNvGrpSpPr/>
+        <p:nvPr/>
+      </p:nvGrpSpPr>
+      <p:grpSpPr>
+        <a:xfrm>
+          <a:off x="0" y="0"/>
+          <a:ext cx="0" cy="0"/>
+          <a:chOff x="0" y="0"/>
+          <a:chExt cx="0" cy="0"/>
+        </a:xfrm>
+      </p:grpSpPr>
       <p:sp>
         <p:nvSpPr>
           <p:cNvPr id="2" name="Titre 1">
             <a:extLst>
               <a:ext uri="{FF2B5EF4-FFF2-40B4-BE49-F238E27FC236}">
-                <a16:creationId xmlns:a16="http://schemas.microsoft.com/office/drawing/2014/main" id="{C3A9968B-2619-4F71-AB00-4C493E120805}"/>
+                <a16:creationId xmlns:a16="http://schemas.microsoft.com/office/drawing/2014/main" id="{C5F2FB0B-15EC-453B-BC9B-69AD35DDCEA3}"/>
               </a:ext>
             </a:extLst>
           </p:cNvPr>
@@ -20202,62 +20233,14 @@
           <a:p>
             <a:pPr rtl="0"/>
             <a:r>
-              <a:rPr lang="fr-FR" sz="5400" spc="400" dirty="0">
+              <a:rPr lang="fr-FR" b="1" cap="all" spc="400" dirty="0">
                 <a:solidFill>
                   <a:schemeClr val="bg1"/>
                 </a:solidFill>
+                <a:latin typeface="+mn-lt"/>
               </a:rPr>
-              <a:t>Blmshop</a:t>
+              <a:t>Démonstration</a:t>
             </a:r>
-            <a:endParaRPr lang="fr-FR" dirty="0"/>
-          </a:p>
-        </p:txBody>
-      </p:sp>
-      <p:sp>
-        <p:nvSpPr>
-          <p:cNvPr id="3" name="Sous-titre 2">
-            <a:extLst>
-              <a:ext uri="{FF2B5EF4-FFF2-40B4-BE49-F238E27FC236}">
-                <a16:creationId xmlns:a16="http://schemas.microsoft.com/office/drawing/2014/main" id="{A5F14073-9F68-4B7E-A576-26899D58C7A9}"/>
-              </a:ext>
-            </a:extLst>
-          </p:cNvPr>
-          <p:cNvSpPr>
-            <a:spLocks noGrp="1"/>
-          </p:cNvSpPr>
-          <p:nvPr>
-            <p:ph type="subTitle" idx="1"/>
-          </p:nvPr>
-        </p:nvSpPr>
-        <p:spPr/>
-        <p:txBody>
-          <a:bodyPr rtlCol="0"/>
-          <a:lstStyle/>
-          <a:p>
-            <a:pPr rtl="0"/>
-            <a:r>
-              <a:rPr lang="fr-FR" sz="2000" dirty="0">
-                <a:solidFill>
-                  <a:schemeClr val="bg1"/>
-                </a:solidFill>
-              </a:rPr>
-              <a:t>Ferreira da Fonseca Bryan</a:t>
-            </a:r>
-          </a:p>
-          <a:p>
-            <a:pPr rtl="0"/>
-            <a:r>
-              <a:rPr lang="fr-FR" dirty="0"/>
-              <a:t>Chavanne Lucas</a:t>
-            </a:r>
-            <a:endParaRPr lang="fr-FR" sz="2000" dirty="0">
-              <a:solidFill>
-                <a:schemeClr val="bg1"/>
-              </a:solidFill>
-            </a:endParaRPr>
-          </a:p>
-          <a:p>
-            <a:pPr rtl="0"/>
             <a:endParaRPr lang="fr-FR" dirty="0"/>
           </a:p>
         </p:txBody>
@@ -20265,7 +20248,7 @@
     </p:spTree>
     <p:extLst>
       <p:ext uri="{BB962C8B-B14F-4D97-AF65-F5344CB8AC3E}">
-        <p14:creationId xmlns:p14="http://schemas.microsoft.com/office/powerpoint/2010/main" val="114769864"/>
+        <p14:creationId xmlns:p14="http://schemas.microsoft.com/office/powerpoint/2010/main" val="3199277204"/>
       </p:ext>
     </p:extLst>
   </p:cSld>
@@ -20275,7 +20258,7 @@
 </p:sld>
 </file>
 
-<file path=ppt/slides/slide10.xml><?xml version="1.0" encoding="utf-8"?>
+<file path=ppt/slides/slide11.xml><?xml version="1.0" encoding="utf-8"?>
 <p:sld xmlns:a="http://schemas.openxmlformats.org/drawingml/2006/main" xmlns:r="http://schemas.openxmlformats.org/officeDocument/2006/relationships" xmlns:p="http://schemas.openxmlformats.org/presentationml/2006/main">
   <p:cSld>
     <p:bg>
@@ -20370,7 +20353,7 @@
                   <a:spcPts val="600"/>
                 </a:spcAft>
               </a:pPr>
-              <a:t>10</a:t>
+              <a:t>11</a:t>
             </a:fld>
             <a:endParaRPr lang="fr-FR" b="1" cap="all" spc="100" dirty="0">
               <a:solidFill>
@@ -20415,215 +20398,6 @@
     <p:extLst>
       <p:ext uri="{BB962C8B-B14F-4D97-AF65-F5344CB8AC3E}">
         <p14:creationId xmlns:p14="http://schemas.microsoft.com/office/powerpoint/2010/main" val="3159288639"/>
-      </p:ext>
-    </p:extLst>
-  </p:cSld>
-  <p:clrMapOvr>
-    <a:masterClrMapping/>
-  </p:clrMapOvr>
-</p:sld>
-</file>
-
-<file path=ppt/slides/slide11.xml><?xml version="1.0" encoding="utf-8"?>
-<p:sld xmlns:a="http://schemas.openxmlformats.org/drawingml/2006/main" xmlns:r="http://schemas.openxmlformats.org/officeDocument/2006/relationships" xmlns:p="http://schemas.openxmlformats.org/presentationml/2006/main">
-  <p:cSld>
-    <p:spTree>
-      <p:nvGrpSpPr>
-        <p:cNvPr id="1" name=""/>
-        <p:cNvGrpSpPr/>
-        <p:nvPr/>
-      </p:nvGrpSpPr>
-      <p:grpSpPr>
-        <a:xfrm>
-          <a:off x="0" y="0"/>
-          <a:ext cx="0" cy="0"/>
-          <a:chOff x="0" y="0"/>
-          <a:chExt cx="0" cy="0"/>
-        </a:xfrm>
-      </p:grpSpPr>
-      <p:sp>
-        <p:nvSpPr>
-          <p:cNvPr id="2" name="Titre 1">
-            <a:extLst>
-              <a:ext uri="{FF2B5EF4-FFF2-40B4-BE49-F238E27FC236}">
-                <a16:creationId xmlns:a16="http://schemas.microsoft.com/office/drawing/2014/main" id="{CFACDA59-55A0-4EA5-B3E4-646D1D3B4CEB}"/>
-              </a:ext>
-            </a:extLst>
-          </p:cNvPr>
-          <p:cNvSpPr>
-            <a:spLocks noGrp="1"/>
-          </p:cNvSpPr>
-          <p:nvPr>
-            <p:ph type="title"/>
-          </p:nvPr>
-        </p:nvSpPr>
-        <p:spPr/>
-        <p:txBody>
-          <a:bodyPr rtlCol="0">
-            <a:normAutofit/>
-          </a:bodyPr>
-          <a:lstStyle/>
-          <a:p>
-            <a:pPr rtl="0"/>
-            <a:r>
-              <a:rPr lang="fr-FR" sz="5400" dirty="0"/>
-              <a:t>Erreurs</a:t>
-            </a:r>
-          </a:p>
-        </p:txBody>
-      </p:sp>
-      <p:sp>
-        <p:nvSpPr>
-          <p:cNvPr id="3" name="Espace réservé du texte 2">
-            <a:extLst>
-              <a:ext uri="{FF2B5EF4-FFF2-40B4-BE49-F238E27FC236}">
-                <a16:creationId xmlns:a16="http://schemas.microsoft.com/office/drawing/2014/main" id="{D14ABC42-7E22-4F59-A0B6-AD98B5CAE0C5}"/>
-              </a:ext>
-            </a:extLst>
-          </p:cNvPr>
-          <p:cNvSpPr>
-            <a:spLocks noGrp="1"/>
-          </p:cNvSpPr>
-          <p:nvPr>
-            <p:ph type="body" idx="1"/>
-          </p:nvPr>
-        </p:nvSpPr>
-        <p:spPr>
-          <a:xfrm>
-            <a:off x="1447800" y="1681163"/>
-            <a:ext cx="4549775" cy="823912"/>
-          </a:xfrm>
-        </p:spPr>
-        <p:txBody>
-          <a:bodyPr rtlCol="0"/>
-          <a:lstStyle/>
-          <a:p>
-            <a:pPr rtl="0"/>
-            <a:r>
-              <a:rPr lang="fr-FR" dirty="0"/>
-              <a:t>PayPal</a:t>
-            </a:r>
-          </a:p>
-        </p:txBody>
-      </p:sp>
-      <p:sp>
-        <p:nvSpPr>
-          <p:cNvPr id="4" name="Espace réservé du contenu 3">
-            <a:extLst>
-              <a:ext uri="{FF2B5EF4-FFF2-40B4-BE49-F238E27FC236}">
-                <a16:creationId xmlns:a16="http://schemas.microsoft.com/office/drawing/2014/main" id="{1FE9CB6C-6FF8-4B8C-9B41-2DDD39B25DE3}"/>
-              </a:ext>
-            </a:extLst>
-          </p:cNvPr>
-          <p:cNvSpPr>
-            <a:spLocks noGrp="1"/>
-          </p:cNvSpPr>
-          <p:nvPr>
-            <p:ph sz="half" idx="2"/>
-          </p:nvPr>
-        </p:nvSpPr>
-        <p:spPr>
-          <a:xfrm>
-            <a:off x="1447800" y="2505075"/>
-            <a:ext cx="4549775" cy="3684588"/>
-          </a:xfrm>
-        </p:spPr>
-        <p:txBody>
-          <a:bodyPr rtlCol="0">
-            <a:normAutofit/>
-          </a:bodyPr>
-          <a:lstStyle/>
-          <a:p>
-            <a:pPr rtl="0"/>
-            <a:r>
-              <a:rPr lang="fr-FR" sz="2000" dirty="0"/>
-              <a:t>Documentation disponible PayPal incompréhensible obligation de passer par des tutos autres que celui de PayPal</a:t>
-            </a:r>
-          </a:p>
-          <a:p>
-            <a:pPr rtl="0"/>
-            <a:r>
-              <a:rPr lang="fr-FR" dirty="0"/>
-              <a:t>Beaucoup d’erreurs au niveau des création de compte test PayPal (irrésolu)</a:t>
-            </a:r>
-            <a:endParaRPr lang="fr-FR" sz="2000" dirty="0"/>
-          </a:p>
-        </p:txBody>
-      </p:sp>
-      <p:sp>
-        <p:nvSpPr>
-          <p:cNvPr id="5" name="Espace réservé du texte 4">
-            <a:extLst>
-              <a:ext uri="{FF2B5EF4-FFF2-40B4-BE49-F238E27FC236}">
-                <a16:creationId xmlns:a16="http://schemas.microsoft.com/office/drawing/2014/main" id="{2347FB98-C049-45C5-86B4-4CF44B247B2C}"/>
-              </a:ext>
-            </a:extLst>
-          </p:cNvPr>
-          <p:cNvSpPr>
-            <a:spLocks noGrp="1"/>
-          </p:cNvSpPr>
-          <p:nvPr>
-            <p:ph type="body" sz="quarter" idx="3"/>
-          </p:nvPr>
-        </p:nvSpPr>
-        <p:spPr>
-          <a:xfrm>
-            <a:off x="6783206" y="1681163"/>
-            <a:ext cx="4572182" cy="823912"/>
-          </a:xfrm>
-        </p:spPr>
-        <p:txBody>
-          <a:bodyPr rtlCol="0"/>
-          <a:lstStyle/>
-          <a:p>
-            <a:pPr rtl="0"/>
-            <a:r>
-              <a:rPr lang="fr-FR" dirty="0"/>
-              <a:t>SQL</a:t>
-            </a:r>
-          </a:p>
-        </p:txBody>
-      </p:sp>
-      <p:sp>
-        <p:nvSpPr>
-          <p:cNvPr id="6" name="Espace réservé du contenu 5">
-            <a:extLst>
-              <a:ext uri="{FF2B5EF4-FFF2-40B4-BE49-F238E27FC236}">
-                <a16:creationId xmlns:a16="http://schemas.microsoft.com/office/drawing/2014/main" id="{5A74CB9D-E60B-4C8A-B4E7-23BC1D9FA66E}"/>
-              </a:ext>
-            </a:extLst>
-          </p:cNvPr>
-          <p:cNvSpPr>
-            <a:spLocks noGrp="1"/>
-          </p:cNvSpPr>
-          <p:nvPr>
-            <p:ph sz="quarter" idx="4"/>
-          </p:nvPr>
-        </p:nvSpPr>
-        <p:spPr>
-          <a:xfrm>
-            <a:off x="6783206" y="2505075"/>
-            <a:ext cx="4572182" cy="3684588"/>
-          </a:xfrm>
-        </p:spPr>
-        <p:txBody>
-          <a:bodyPr rtlCol="0">
-            <a:normAutofit/>
-          </a:bodyPr>
-          <a:lstStyle/>
-          <a:p>
-            <a:pPr rtl="0"/>
-            <a:r>
-              <a:rPr lang="fr-FR" sz="2000" dirty="0"/>
-              <a:t>Beaucoup d’erreurs de requête SQL qui ne voulaient pas compiler</a:t>
-            </a:r>
-          </a:p>
-        </p:txBody>
-      </p:sp>
-    </p:spTree>
-    <p:extLst>
-      <p:ext uri="{BB962C8B-B14F-4D97-AF65-F5344CB8AC3E}">
-        <p14:creationId xmlns:p14="http://schemas.microsoft.com/office/powerpoint/2010/main" val="3124766000"/>
       </p:ext>
     </p:extLst>
   </p:cSld>
@@ -20676,6 +20450,215 @@
             <a:pPr rtl="0"/>
             <a:r>
               <a:rPr lang="fr-FR" sz="5400" dirty="0"/>
+              <a:t>Erreurs</a:t>
+            </a:r>
+          </a:p>
+        </p:txBody>
+      </p:sp>
+      <p:sp>
+        <p:nvSpPr>
+          <p:cNvPr id="3" name="Espace réservé du texte 2">
+            <a:extLst>
+              <a:ext uri="{FF2B5EF4-FFF2-40B4-BE49-F238E27FC236}">
+                <a16:creationId xmlns:a16="http://schemas.microsoft.com/office/drawing/2014/main" id="{D14ABC42-7E22-4F59-A0B6-AD98B5CAE0C5}"/>
+              </a:ext>
+            </a:extLst>
+          </p:cNvPr>
+          <p:cNvSpPr>
+            <a:spLocks noGrp="1"/>
+          </p:cNvSpPr>
+          <p:nvPr>
+            <p:ph type="body" idx="1"/>
+          </p:nvPr>
+        </p:nvSpPr>
+        <p:spPr>
+          <a:xfrm>
+            <a:off x="1447800" y="1681163"/>
+            <a:ext cx="4549775" cy="823912"/>
+          </a:xfrm>
+        </p:spPr>
+        <p:txBody>
+          <a:bodyPr rtlCol="0"/>
+          <a:lstStyle/>
+          <a:p>
+            <a:pPr rtl="0"/>
+            <a:r>
+              <a:rPr lang="fr-FR" dirty="0"/>
+              <a:t>PayPal</a:t>
+            </a:r>
+          </a:p>
+        </p:txBody>
+      </p:sp>
+      <p:sp>
+        <p:nvSpPr>
+          <p:cNvPr id="4" name="Espace réservé du contenu 3">
+            <a:extLst>
+              <a:ext uri="{FF2B5EF4-FFF2-40B4-BE49-F238E27FC236}">
+                <a16:creationId xmlns:a16="http://schemas.microsoft.com/office/drawing/2014/main" id="{1FE9CB6C-6FF8-4B8C-9B41-2DDD39B25DE3}"/>
+              </a:ext>
+            </a:extLst>
+          </p:cNvPr>
+          <p:cNvSpPr>
+            <a:spLocks noGrp="1"/>
+          </p:cNvSpPr>
+          <p:nvPr>
+            <p:ph sz="half" idx="2"/>
+          </p:nvPr>
+        </p:nvSpPr>
+        <p:spPr>
+          <a:xfrm>
+            <a:off x="1447800" y="2505075"/>
+            <a:ext cx="4549775" cy="3684588"/>
+          </a:xfrm>
+        </p:spPr>
+        <p:txBody>
+          <a:bodyPr rtlCol="0">
+            <a:normAutofit/>
+          </a:bodyPr>
+          <a:lstStyle/>
+          <a:p>
+            <a:pPr rtl="0"/>
+            <a:r>
+              <a:rPr lang="fr-FR" sz="2000" dirty="0"/>
+              <a:t>Documentation disponible PayPal incompréhensible obligation de passer par des tutos autres que celui de PayPal</a:t>
+            </a:r>
+          </a:p>
+          <a:p>
+            <a:pPr rtl="0"/>
+            <a:r>
+              <a:rPr lang="fr-FR" dirty="0"/>
+              <a:t>Beaucoup d’erreurs au niveau des création de compte test PayPal (irrésolu)</a:t>
+            </a:r>
+            <a:endParaRPr lang="fr-FR" sz="2000" dirty="0"/>
+          </a:p>
+        </p:txBody>
+      </p:sp>
+      <p:sp>
+        <p:nvSpPr>
+          <p:cNvPr id="5" name="Espace réservé du texte 4">
+            <a:extLst>
+              <a:ext uri="{FF2B5EF4-FFF2-40B4-BE49-F238E27FC236}">
+                <a16:creationId xmlns:a16="http://schemas.microsoft.com/office/drawing/2014/main" id="{2347FB98-C049-45C5-86B4-4CF44B247B2C}"/>
+              </a:ext>
+            </a:extLst>
+          </p:cNvPr>
+          <p:cNvSpPr>
+            <a:spLocks noGrp="1"/>
+          </p:cNvSpPr>
+          <p:nvPr>
+            <p:ph type="body" sz="quarter" idx="3"/>
+          </p:nvPr>
+        </p:nvSpPr>
+        <p:spPr>
+          <a:xfrm>
+            <a:off x="6783206" y="1681163"/>
+            <a:ext cx="4572182" cy="823912"/>
+          </a:xfrm>
+        </p:spPr>
+        <p:txBody>
+          <a:bodyPr rtlCol="0"/>
+          <a:lstStyle/>
+          <a:p>
+            <a:pPr rtl="0"/>
+            <a:r>
+              <a:rPr lang="fr-FR" dirty="0"/>
+              <a:t>SQL</a:t>
+            </a:r>
+          </a:p>
+        </p:txBody>
+      </p:sp>
+      <p:sp>
+        <p:nvSpPr>
+          <p:cNvPr id="6" name="Espace réservé du contenu 5">
+            <a:extLst>
+              <a:ext uri="{FF2B5EF4-FFF2-40B4-BE49-F238E27FC236}">
+                <a16:creationId xmlns:a16="http://schemas.microsoft.com/office/drawing/2014/main" id="{5A74CB9D-E60B-4C8A-B4E7-23BC1D9FA66E}"/>
+              </a:ext>
+            </a:extLst>
+          </p:cNvPr>
+          <p:cNvSpPr>
+            <a:spLocks noGrp="1"/>
+          </p:cNvSpPr>
+          <p:nvPr>
+            <p:ph sz="quarter" idx="4"/>
+          </p:nvPr>
+        </p:nvSpPr>
+        <p:spPr>
+          <a:xfrm>
+            <a:off x="6783206" y="2505075"/>
+            <a:ext cx="4572182" cy="3684588"/>
+          </a:xfrm>
+        </p:spPr>
+        <p:txBody>
+          <a:bodyPr rtlCol="0">
+            <a:normAutofit/>
+          </a:bodyPr>
+          <a:lstStyle/>
+          <a:p>
+            <a:pPr rtl="0"/>
+            <a:r>
+              <a:rPr lang="fr-FR" sz="2000" dirty="0"/>
+              <a:t>Beaucoup d’erreurs de requête SQL qui ne voulaient pas compiler</a:t>
+            </a:r>
+          </a:p>
+        </p:txBody>
+      </p:sp>
+    </p:spTree>
+    <p:extLst>
+      <p:ext uri="{BB962C8B-B14F-4D97-AF65-F5344CB8AC3E}">
+        <p14:creationId xmlns:p14="http://schemas.microsoft.com/office/powerpoint/2010/main" val="3124766000"/>
+      </p:ext>
+    </p:extLst>
+  </p:cSld>
+  <p:clrMapOvr>
+    <a:masterClrMapping/>
+  </p:clrMapOvr>
+</p:sld>
+</file>
+
+<file path=ppt/slides/slide13.xml><?xml version="1.0" encoding="utf-8"?>
+<p:sld xmlns:a="http://schemas.openxmlformats.org/drawingml/2006/main" xmlns:r="http://schemas.openxmlformats.org/officeDocument/2006/relationships" xmlns:p="http://schemas.openxmlformats.org/presentationml/2006/main">
+  <p:cSld>
+    <p:spTree>
+      <p:nvGrpSpPr>
+        <p:cNvPr id="1" name=""/>
+        <p:cNvGrpSpPr/>
+        <p:nvPr/>
+      </p:nvGrpSpPr>
+      <p:grpSpPr>
+        <a:xfrm>
+          <a:off x="0" y="0"/>
+          <a:ext cx="0" cy="0"/>
+          <a:chOff x="0" y="0"/>
+          <a:chExt cx="0" cy="0"/>
+        </a:xfrm>
+      </p:grpSpPr>
+      <p:sp>
+        <p:nvSpPr>
+          <p:cNvPr id="2" name="Titre 1">
+            <a:extLst>
+              <a:ext uri="{FF2B5EF4-FFF2-40B4-BE49-F238E27FC236}">
+                <a16:creationId xmlns:a16="http://schemas.microsoft.com/office/drawing/2014/main" id="{CFACDA59-55A0-4EA5-B3E4-646D1D3B4CEB}"/>
+              </a:ext>
+            </a:extLst>
+          </p:cNvPr>
+          <p:cNvSpPr>
+            <a:spLocks noGrp="1"/>
+          </p:cNvSpPr>
+          <p:nvPr>
+            <p:ph type="title"/>
+          </p:nvPr>
+        </p:nvSpPr>
+        <p:spPr/>
+        <p:txBody>
+          <a:bodyPr rtlCol="0">
+            <a:normAutofit/>
+          </a:bodyPr>
+          <a:lstStyle/>
+          <a:p>
+            <a:pPr rtl="0"/>
+            <a:r>
+              <a:rPr lang="fr-FR" sz="5400" dirty="0"/>
               <a:t>Amélioration futurs </a:t>
             </a:r>
           </a:p>
@@ -20846,7 +20829,7 @@
 </p:sld>
 </file>
 
-<file path=ppt/slides/slide13.xml><?xml version="1.0" encoding="utf-8"?>
+<file path=ppt/slides/slide14.xml><?xml version="1.0" encoding="utf-8"?>
 <p:sld xmlns:a="http://schemas.openxmlformats.org/drawingml/2006/main" xmlns:r="http://schemas.openxmlformats.org/officeDocument/2006/relationships" xmlns:p="http://schemas.openxmlformats.org/presentationml/2006/main">
   <p:cSld>
     <p:spTree>
@@ -21044,7 +21027,7 @@
             <a:fld id="{D8DA9DAA-006C-4F4B-980E-E3DF019B24E2}" type="slidenum">
               <a:rPr lang="fr-FR" smtClean="0"/>
               <a:pPr rtl="0"/>
-              <a:t>13</a:t>
+              <a:t>14</a:t>
             </a:fld>
             <a:endParaRPr lang="fr-FR"/>
           </a:p>
@@ -21063,7 +21046,7 @@
 </p:sld>
 </file>
 
-<file path=ppt/slides/slide14.xml><?xml version="1.0" encoding="utf-8"?>
+<file path=ppt/slides/slide15.xml><?xml version="1.0" encoding="utf-8"?>
 <p:sld xmlns:a="http://schemas.openxmlformats.org/drawingml/2006/main" xmlns:r="http://schemas.openxmlformats.org/officeDocument/2006/relationships" xmlns:p="http://schemas.openxmlformats.org/presentationml/2006/main">
   <p:cSld>
     <p:spTree>
@@ -21134,7 +21117,7 @@
             <a:fld id="{D8DA9DAA-006C-4F4B-980E-E3DF019B24E2}" type="slidenum">
               <a:rPr lang="fr-FR" smtClean="0"/>
               <a:pPr rtl="0"/>
-              <a:t>14</a:t>
+              <a:t>15</a:t>
             </a:fld>
             <a:endParaRPr lang="fr-FR"/>
           </a:p>
@@ -21327,6 +21310,119 @@
       </p:grpSpPr>
       <p:sp>
         <p:nvSpPr>
+          <p:cNvPr id="2" name="Titre 1">
+            <a:extLst>
+              <a:ext uri="{FF2B5EF4-FFF2-40B4-BE49-F238E27FC236}">
+                <a16:creationId xmlns:a16="http://schemas.microsoft.com/office/drawing/2014/main" id="{C3A9968B-2619-4F71-AB00-4C493E120805}"/>
+              </a:ext>
+            </a:extLst>
+          </p:cNvPr>
+          <p:cNvSpPr>
+            <a:spLocks noGrp="1"/>
+          </p:cNvSpPr>
+          <p:nvPr>
+            <p:ph type="ctrTitle"/>
+          </p:nvPr>
+        </p:nvSpPr>
+        <p:spPr/>
+        <p:txBody>
+          <a:bodyPr rtlCol="0"/>
+          <a:lstStyle/>
+          <a:p>
+            <a:pPr rtl="0"/>
+            <a:r>
+              <a:rPr lang="fr-FR" sz="5400" spc="400" dirty="0">
+                <a:solidFill>
+                  <a:schemeClr val="bg1"/>
+                </a:solidFill>
+              </a:rPr>
+              <a:t>Blmshop</a:t>
+            </a:r>
+            <a:endParaRPr lang="fr-FR" dirty="0"/>
+          </a:p>
+        </p:txBody>
+      </p:sp>
+      <p:sp>
+        <p:nvSpPr>
+          <p:cNvPr id="3" name="Sous-titre 2">
+            <a:extLst>
+              <a:ext uri="{FF2B5EF4-FFF2-40B4-BE49-F238E27FC236}">
+                <a16:creationId xmlns:a16="http://schemas.microsoft.com/office/drawing/2014/main" id="{A5F14073-9F68-4B7E-A576-26899D58C7A9}"/>
+              </a:ext>
+            </a:extLst>
+          </p:cNvPr>
+          <p:cNvSpPr>
+            <a:spLocks noGrp="1"/>
+          </p:cNvSpPr>
+          <p:nvPr>
+            <p:ph type="subTitle" idx="1"/>
+          </p:nvPr>
+        </p:nvSpPr>
+        <p:spPr/>
+        <p:txBody>
+          <a:bodyPr rtlCol="0"/>
+          <a:lstStyle/>
+          <a:p>
+            <a:pPr rtl="0"/>
+            <a:r>
+              <a:rPr lang="fr-FR" sz="2000" dirty="0">
+                <a:solidFill>
+                  <a:schemeClr val="bg1"/>
+                </a:solidFill>
+              </a:rPr>
+              <a:t>Ferreira da Fonseca Bryan</a:t>
+            </a:r>
+          </a:p>
+          <a:p>
+            <a:pPr rtl="0"/>
+            <a:r>
+              <a:rPr lang="fr-FR" dirty="0"/>
+              <a:t>Chavanne Lucas</a:t>
+            </a:r>
+            <a:endParaRPr lang="fr-FR" sz="2000" dirty="0">
+              <a:solidFill>
+                <a:schemeClr val="bg1"/>
+              </a:solidFill>
+            </a:endParaRPr>
+          </a:p>
+          <a:p>
+            <a:pPr rtl="0"/>
+            <a:endParaRPr lang="fr-FR" dirty="0"/>
+          </a:p>
+        </p:txBody>
+      </p:sp>
+    </p:spTree>
+    <p:extLst>
+      <p:ext uri="{BB962C8B-B14F-4D97-AF65-F5344CB8AC3E}">
+        <p14:creationId xmlns:p14="http://schemas.microsoft.com/office/powerpoint/2010/main" val="114769864"/>
+      </p:ext>
+    </p:extLst>
+  </p:cSld>
+  <p:clrMapOvr>
+    <a:masterClrMapping/>
+  </p:clrMapOvr>
+</p:sld>
+</file>
+
+<file path=ppt/slides/slide3.xml><?xml version="1.0" encoding="utf-8"?>
+<p:sld xmlns:a="http://schemas.openxmlformats.org/drawingml/2006/main" xmlns:r="http://schemas.openxmlformats.org/officeDocument/2006/relationships" xmlns:p="http://schemas.openxmlformats.org/presentationml/2006/main">
+  <p:cSld>
+    <p:spTree>
+      <p:nvGrpSpPr>
+        <p:cNvPr id="1" name=""/>
+        <p:cNvGrpSpPr/>
+        <p:nvPr/>
+      </p:nvGrpSpPr>
+      <p:grpSpPr>
+        <a:xfrm>
+          <a:off x="0" y="0"/>
+          <a:ext cx="0" cy="0"/>
+          <a:chOff x="0" y="0"/>
+          <a:chExt cx="0" cy="0"/>
+        </a:xfrm>
+      </p:grpSpPr>
+      <p:sp>
+        <p:nvSpPr>
           <p:cNvPr id="3" name="Titre 2">
             <a:extLst>
               <a:ext uri="{FF2B5EF4-FFF2-40B4-BE49-F238E27FC236}">
@@ -21588,8 +21684,8 @@
             <a:pPr rtl="0"/>
             <a:fld id="{D8DA9DAA-006C-4F4B-980E-E3DF019B24E2}" type="slidenum">
               <a:rPr lang="fr-FR" smtClean="0"/>
-              <a:pPr/>
-              <a:t>2</a:t>
+              <a:pPr rtl="0"/>
+              <a:t>3</a:t>
             </a:fld>
             <a:endParaRPr lang="fr-FR"/>
           </a:p>
@@ -21633,7 +21729,7 @@
 </p:sld>
 </file>
 
-<file path=ppt/slides/slide3.xml><?xml version="1.0" encoding="utf-8"?>
+<file path=ppt/slides/slide4.xml><?xml version="1.0" encoding="utf-8"?>
 <p:sld xmlns:a="http://schemas.openxmlformats.org/drawingml/2006/main" xmlns:r="http://schemas.openxmlformats.org/officeDocument/2006/relationships" xmlns:p="http://schemas.openxmlformats.org/presentationml/2006/main">
   <p:cSld>
     <p:spTree>
@@ -21818,8 +21914,8 @@
             <a:pPr rtl="0"/>
             <a:fld id="{D8DA9DAA-006C-4F4B-980E-E3DF019B24E2}" type="slidenum">
               <a:rPr lang="fr-FR" smtClean="0"/>
-              <a:pPr/>
-              <a:t>3</a:t>
+              <a:pPr rtl="0"/>
+              <a:t>4</a:t>
             </a:fld>
             <a:endParaRPr lang="fr-FR"/>
           </a:p>
@@ -21838,7 +21934,7 @@
 </p:sld>
 </file>
 
-<file path=ppt/slides/slide4.xml><?xml version="1.0" encoding="utf-8"?>
+<file path=ppt/slides/slide5.xml><?xml version="1.0" encoding="utf-8"?>
 <p:sld xmlns:a="http://schemas.openxmlformats.org/drawingml/2006/main" xmlns:r="http://schemas.openxmlformats.org/officeDocument/2006/relationships" xmlns:p="http://schemas.openxmlformats.org/presentationml/2006/main">
   <p:cSld>
     <p:spTree>
@@ -21903,7 +21999,7 @@
 </p:sld>
 </file>
 
-<file path=ppt/slides/slide5.xml><?xml version="1.0" encoding="utf-8"?>
+<file path=ppt/slides/slide6.xml><?xml version="1.0" encoding="utf-8"?>
 <p:sld xmlns:a="http://schemas.openxmlformats.org/drawingml/2006/main" xmlns:r="http://schemas.openxmlformats.org/officeDocument/2006/relationships" xmlns:p="http://schemas.openxmlformats.org/presentationml/2006/main">
   <p:cSld>
     <p:spTree>
@@ -22015,7 +22111,7 @@
                   <a:schemeClr val="accent2"/>
                 </a:solidFill>
               </a:rPr>
-              <a:t>5</a:t>
+              <a:t>6</a:t>
             </a:fld>
             <a:endParaRPr lang="fr-FR" b="1" cap="all" spc="100" dirty="0">
               <a:solidFill>
@@ -22038,7 +22134,7 @@
 </p:sld>
 </file>
 
-<file path=ppt/slides/slide6.xml><?xml version="1.0" encoding="utf-8"?>
+<file path=ppt/slides/slide7.xml><?xml version="1.0" encoding="utf-8"?>
 <p:sld xmlns:a="http://schemas.openxmlformats.org/drawingml/2006/main" xmlns:r="http://schemas.openxmlformats.org/officeDocument/2006/relationships" xmlns:p="http://schemas.openxmlformats.org/presentationml/2006/main">
   <p:cSld>
     <p:spTree>
@@ -22864,7 +22960,7 @@
                   <a:schemeClr val="accent2"/>
                 </a:solidFill>
               </a:rPr>
-              <a:t>6</a:t>
+              <a:t>7</a:t>
             </a:fld>
             <a:endParaRPr lang="fr-FR" b="1" cap="all" spc="100">
               <a:solidFill>
@@ -22887,7 +22983,7 @@
 </p:sld>
 </file>
 
-<file path=ppt/slides/slide7.xml><?xml version="1.0" encoding="utf-8"?>
+<file path=ppt/slides/slide8.xml><?xml version="1.0" encoding="utf-8"?>
 <p:sld xmlns:a="http://schemas.openxmlformats.org/drawingml/2006/main" xmlns:r="http://schemas.openxmlformats.org/officeDocument/2006/relationships" xmlns:p="http://schemas.openxmlformats.org/presentationml/2006/main">
   <p:cSld>
     <p:spTree>
@@ -23041,8 +23137,8 @@
             <a:pPr rtl="0"/>
             <a:fld id="{D8DA9DAA-006C-4F4B-980E-E3DF019B24E2}" type="slidenum">
               <a:rPr lang="fr-FR" smtClean="0"/>
-              <a:pPr/>
-              <a:t>7</a:t>
+              <a:pPr rtl="0"/>
+              <a:t>8</a:t>
             </a:fld>
             <a:endParaRPr lang="fr-FR"/>
           </a:p>
@@ -23061,7 +23157,7 @@
 </p:sld>
 </file>
 
-<file path=ppt/slides/slide8.xml><?xml version="1.0" encoding="utf-8"?>
+<file path=ppt/slides/slide9.xml><?xml version="1.0" encoding="utf-8"?>
 <p:sld xmlns:a="http://schemas.openxmlformats.org/drawingml/2006/main" xmlns:r="http://schemas.openxmlformats.org/officeDocument/2006/relationships" xmlns:p="http://schemas.openxmlformats.org/presentationml/2006/main">
   <p:cSld>
     <p:bg>
@@ -23245,8 +23341,8 @@
             <a:pPr rtl="0"/>
             <a:fld id="{D8DA9DAA-006C-4F4B-980E-E3DF019B24E2}" type="slidenum">
               <a:rPr lang="fr-FR" smtClean="0"/>
-              <a:pPr/>
-              <a:t>8</a:t>
+              <a:pPr rtl="0"/>
+              <a:t>9</a:t>
             </a:fld>
             <a:endParaRPr lang="fr-FR" dirty="0"/>
           </a:p>
@@ -23256,71 +23352,6 @@
     <p:extLst>
       <p:ext uri="{BB962C8B-B14F-4D97-AF65-F5344CB8AC3E}">
         <p14:creationId xmlns:p14="http://schemas.microsoft.com/office/powerpoint/2010/main" val="2270028676"/>
-      </p:ext>
-    </p:extLst>
-  </p:cSld>
-  <p:clrMapOvr>
-    <a:masterClrMapping/>
-  </p:clrMapOvr>
-</p:sld>
-</file>
-
-<file path=ppt/slides/slide9.xml><?xml version="1.0" encoding="utf-8"?>
-<p:sld xmlns:a="http://schemas.openxmlformats.org/drawingml/2006/main" xmlns:r="http://schemas.openxmlformats.org/officeDocument/2006/relationships" xmlns:p="http://schemas.openxmlformats.org/presentationml/2006/main">
-  <p:cSld>
-    <p:spTree>
-      <p:nvGrpSpPr>
-        <p:cNvPr id="1" name=""/>
-        <p:cNvGrpSpPr/>
-        <p:nvPr/>
-      </p:nvGrpSpPr>
-      <p:grpSpPr>
-        <a:xfrm>
-          <a:off x="0" y="0"/>
-          <a:ext cx="0" cy="0"/>
-          <a:chOff x="0" y="0"/>
-          <a:chExt cx="0" cy="0"/>
-        </a:xfrm>
-      </p:grpSpPr>
-      <p:sp>
-        <p:nvSpPr>
-          <p:cNvPr id="2" name="Titre 1">
-            <a:extLst>
-              <a:ext uri="{FF2B5EF4-FFF2-40B4-BE49-F238E27FC236}">
-                <a16:creationId xmlns:a16="http://schemas.microsoft.com/office/drawing/2014/main" id="{C5F2FB0B-15EC-453B-BC9B-69AD35DDCEA3}"/>
-              </a:ext>
-            </a:extLst>
-          </p:cNvPr>
-          <p:cNvSpPr>
-            <a:spLocks noGrp="1"/>
-          </p:cNvSpPr>
-          <p:nvPr>
-            <p:ph type="ctrTitle"/>
-          </p:nvPr>
-        </p:nvSpPr>
-        <p:spPr/>
-        <p:txBody>
-          <a:bodyPr rtlCol="0"/>
-          <a:lstStyle/>
-          <a:p>
-            <a:pPr rtl="0"/>
-            <a:r>
-              <a:rPr lang="fr-FR" b="1" cap="all" spc="400" dirty="0">
-                <a:solidFill>
-                  <a:schemeClr val="bg1"/>
-                </a:solidFill>
-                <a:latin typeface="+mn-lt"/>
-              </a:rPr>
-              <a:t>Démonstration</a:t>
-            </a:r>
-            <a:endParaRPr lang="fr-FR" dirty="0"/>
-          </a:p>
-        </p:txBody>
-      </p:sp>
-    </p:spTree>
-    <p:extLst>
-      <p:ext uri="{BB962C8B-B14F-4D97-AF65-F5344CB8AC3E}">
-        <p14:creationId xmlns:p14="http://schemas.microsoft.com/office/powerpoint/2010/main" val="3199277204"/>
       </p:ext>
     </p:extLst>
   </p:cSld>
@@ -24122,21 +24153,21 @@
 </file>
 
 <file path=customXml/item1.xml><?xml version="1.0" encoding="utf-8"?>
+<p:properties xmlns:p="http://schemas.microsoft.com/office/2006/metadata/properties" xmlns:xsi="http://www.w3.org/2001/XMLSchema-instance" xmlns:pc="http://schemas.microsoft.com/office/infopath/2007/PartnerControls">
+  <documentManagement>
+    <Status xmlns="71af3243-3dd4-4a8d-8c0d-dd76da1f02a5">Not started</Status>
+    <MediaServiceKeyPoints xmlns="71af3243-3dd4-4a8d-8c0d-dd76da1f02a5" xsi:nil="true"/>
+  </documentManagement>
+</p:properties>
+</file>
+
+<file path=customXml/item2.xml><?xml version="1.0" encoding="utf-8"?>
 <?mso-contentType ?>
 <FormTemplates xmlns="http://schemas.microsoft.com/sharepoint/v3/contenttype/forms">
   <Display>DocumentLibraryForm</Display>
   <Edit>DocumentLibraryForm</Edit>
   <New>DocumentLibraryForm</New>
 </FormTemplates>
-</file>
-
-<file path=customXml/item2.xml><?xml version="1.0" encoding="utf-8"?>
-<p:properties xmlns:p="http://schemas.microsoft.com/office/2006/metadata/properties" xmlns:xsi="http://www.w3.org/2001/XMLSchema-instance" xmlns:pc="http://schemas.microsoft.com/office/infopath/2007/PartnerControls">
-  <documentManagement>
-    <Status xmlns="71af3243-3dd4-4a8d-8c0d-dd76da1f02a5">Not started</Status>
-    <MediaServiceKeyPoints xmlns="71af3243-3dd4-4a8d-8c0d-dd76da1f02a5" xsi:nil="true"/>
-  </documentManagement>
-</p:properties>
 </file>
 
 <file path=customXml/item3.xml><?xml version="1.0" encoding="utf-8"?>
@@ -24361,19 +24392,19 @@
 </file>
 
 <file path=customXml/itemProps1.xml><?xml version="1.0" encoding="utf-8"?>
-<ds:datastoreItem xmlns:ds="http://schemas.openxmlformats.org/officeDocument/2006/customXml" ds:itemID="{3C8E00D1-8EA3-4E42-801D-0253E1EAFC21}">
+<ds:datastoreItem xmlns:ds="http://schemas.openxmlformats.org/officeDocument/2006/customXml" ds:itemID="{99919F73-B6C2-4A43-95E2-833EC48925FE}">
   <ds:schemaRefs>
-    <ds:schemaRef ds:uri="http://schemas.microsoft.com/sharepoint/v3/contenttype/forms"/>
+    <ds:schemaRef ds:uri="http://schemas.microsoft.com/office/2006/metadata/properties"/>
+    <ds:schemaRef ds:uri="http://schemas.microsoft.com/office/infopath/2007/PartnerControls"/>
+    <ds:schemaRef ds:uri="71af3243-3dd4-4a8d-8c0d-dd76da1f02a5"/>
   </ds:schemaRefs>
 </ds:datastoreItem>
 </file>
 
 <file path=customXml/itemProps2.xml><?xml version="1.0" encoding="utf-8"?>
-<ds:datastoreItem xmlns:ds="http://schemas.openxmlformats.org/officeDocument/2006/customXml" ds:itemID="{99919F73-B6C2-4A43-95E2-833EC48925FE}">
+<ds:datastoreItem xmlns:ds="http://schemas.openxmlformats.org/officeDocument/2006/customXml" ds:itemID="{3C8E00D1-8EA3-4E42-801D-0253E1EAFC21}">
   <ds:schemaRefs>
-    <ds:schemaRef ds:uri="http://schemas.microsoft.com/office/2006/metadata/properties"/>
-    <ds:schemaRef ds:uri="http://schemas.microsoft.com/office/infopath/2007/PartnerControls"/>
-    <ds:schemaRef ds:uri="71af3243-3dd4-4a8d-8c0d-dd76da1f02a5"/>
+    <ds:schemaRef ds:uri="http://schemas.microsoft.com/sharepoint/v3/contenttype/forms"/>
   </ds:schemaRefs>
 </ds:datastoreItem>
 </file>
